--- a/03-系統設計/詳細設計.pptx
+++ b/03-系統設計/詳細設計.pptx
@@ -120,44 +120,6 @@
 </p:presentation>
 </file>
 
-<file path=ppt/ink/ink1.xml><?xml version="1.0" encoding="utf-8"?>
-<inkml:ink xmlns:inkml="http://www.w3.org/2003/InkML">
-  <inkml:definitions>
-    <inkml:context xml:id="ctx0">
-      <inkml:inkSource xml:id="inkSrc0">
-        <inkml:traceFormat>
-          <inkml:channel name="X" type="integer" max="1280" units="cm"/>
-          <inkml:channel name="Y" type="integer" max="1024" units="cm"/>
-        </inkml:traceFormat>
-        <inkml:channelProperties>
-          <inkml:channelProperty channel="X" name="resolution" value="28.31858" units="1/cm"/>
-          <inkml:channelProperty channel="Y" name="resolution" value="28.36565" units="1/cm"/>
-        </inkml:channelProperties>
-      </inkml:inkSource>
-      <inkml:timestamp xml:id="ts0" timeString="2018-05-30T07:54:42.508"/>
-    </inkml:context>
-    <inkml:brush xml:id="br0">
-      <inkml:brushProperty name="width" value="0.05292" units="cm"/>
-      <inkml:brushProperty name="height" value="0.05292" units="cm"/>
-      <inkml:brushProperty name="color" value="#FF0000"/>
-    </inkml:brush>
-  </inkml:definitions>
-  <inkml:trace contextRef="#ctx0" brushRef="#br0">5655 7322,'0'20,"0"20,0-1,0 1,0 20,0-21,0 41,0-41,0 1,0 0,0-1,0 21,0-40,0-20,0 39,0-39,0 20,0-20,0 20,0 0,0 20,0-21,0 1,0 0,0 20,0-20,0 0,0 19,0-19,0 20,20-1,-20-19,0 20,0 0,0 19,0-19,0 19,0-19,0 20,0-1,0 1,0 19,0-19,0 19,0 20,0-19,20-21,-20 20,0 1,0-1,20-19,0-1,0 1,-20-1,0 1,20 39,-20-39,19 19,-19 0,20 21,-20-1,20 0,-20-20,20 1,-20 19,0-39,20-1,-20 1,0-1,0-19,0 19,0 1,0-20,0 19,0 1,0-1,0-19,0 19,0-19,0 0,0 19,0 1,0-21,0 21,0 0,0-1,0 1,0-1,0 1,0-21,0 21,0-20,0-1,0-19,0 20,0 19,0-19,20-20,-20 20,0 19,19-39,-19 0,0 0,0-20,0 39,0-19,0 0,0 0,0 0,0 0,0 39,0-39,0 0,0 19,0-19,0 20,0-20,0 19,0 1,0 0,0 0,20-1,0 1,-20 0,20-1,-20 21,0-40,40 19,-40 1,0-20,0 0,0 0,19-1,-19 1,0 0,0 0,0 0,0 20,0-1,0-19,0 20,0-20,0-1,0 1,0 0,0 0,0 0,0 0,0-1,0-19,0 40,0-40,0 20,0-20,0 20,0-20,0 20,-19 0,19-20,0 19,0 21,0-40,-20 40,20-40,0 39,0-19,-20 0,0 0,20 20,-20-21,20 21,-20-20,20-20,0 40,-19-40,19 39,0-39,-20 20,20 0,0 0,0-20,0 20,0 0,-20-1,20-19,0 20,0-20,0 0,20 0,0 0,19 0,21 0,-21 20,1 0,20-20,-21 20,1-20,20 0,-21 20,21 0,-1-1,1-19,-1 0,-19 0,0 20,19-20,1 20,-20-20,-1 0,21 20,-21-20,21 0,0 20,-21-20,1 20,-20-1,19-19,21 0,-40 0,39 20,1-20,-1 0,1 20,-1-20,1 0,0 0,-1 0,1 0,-21 0,21 0,19 0,-19 0,-1 0,1 0,-1 0,-19 0,0 0,-20 0,39 0,-39 0,20 0,-1 0,1 0,19 0,1 0,0 0,-21 0,21 0,-1 0,-19-20,20 20,19 0,-39 0,19 0,1 0,-1 0,-19 0,19 0,-19 0,20 0,-60 0,59 0,1 0,-1 0,1 0,19 0,-19 0,39 0,-40 0,1 0,19 0,-19 0,-1 0,1 0,19 0,1 0,-21 0,60 0,-59 0,19 0,1 0,-1 0,-20 0,1-20,-1 20,21 0,-1 0,1 0,-1-19,40-1,-20 20,20 0,-39-20,19 20,-20 0,1-20,-21 20,21 0,-21 0,1 0,-1 0,1 0,-1 0,21 0,-21 0,21 0,-21 0,1 0,39-20,-20 20,-19 0,39 0,-20 0,40 0,-39 0,39 0,-40-20,1 20,39-19,-40 19,0 0,21 0,-21 0,40-20,-59 20,19 0,-20 0,1 0,19-20,1 20,19 0,-40-20,1 20,0 0,-1 0,1 0,-21 0,21 0,-1 0,1 0,-20 0,-1 0,1 0,0 0,-1 0,-19 0,0 0,20 0,-1 0,-19 0,0 0,0 0,0 0,19 0,-39 0,20 0,-20 0,20 0,0 0,0 0,39 0,-39 0,20 0,0 0,-21 0,1 0,0 0,-20 0,40 0,-40 0,20 0,-20-20,0 0,0-19,0-1,-20 0,20-19,0 19,-20-39,20-21,0 21,-20 0,20 19,-20 1,20-41,0 41,0-1,0 1,0-21,0 41,0-21,0 1,0-1,0 1,0-21,0 21,0-1,0 1,0-1,0 1,0 19,0-20,0 21,0-1,0-39,0 19,0 1,0-1,0 1,0-1,0 0,0 1,0-20,0 39,-20-20,20-39,0 40,0-1,0-19,0 19,-19-19,19 19,0-19,0 19,0-19,0-20,0 39,0-19,0 19,0-19,0 0,0-1,0 1,0 19,-20-19,20 19,0-19,0 19,0 21,-20-21,20 1,0-21,0 41,0-21,-20 20,20-19,0 39,0-59,-20 39,20-20,0 41,-20-21,20-20,0 21,-19 19,19-20,0-19,0 19,-20-20,20 21,0-21,-20 20,20-19,0 19,0 1,0-1,0 0,-20-19,20 19,0 0,0 1,0-1,0 0,0 20,0-19,0-1,0 20,0-19,0 19,0-20,0 0,0 20,-20-19,20 19,0 0,0-20,0 40,0-19,0-1,-20 0,20 0,0 20,0-40,0 40,0-20,-20 1,20-1,-19 0,19 0,0-20,0 1,0 19,0-20,0 0,0-19,0 19,0 1,0-1,0 0,0 1,0-1,0 20,0 0,0 0,0 0,0 20,-60 0,-19 0,-1 0,21 0,-1 0,1 0,-1 0,40 0,1 0,-21 0,20 0,0 0,20 0,-20-19,0 19,1 0,-21 0,20-20,0 20,-19 0,19 0,0 0,-20 0,0 0,21 0,-21 0,20 0,-20 0,1 0,-1 0,20 0,-39 0,19 0,20 0,-20 0,-19 0,19 0,1 0,-21 0,20 0,-19 0,19 0,-39 20,39-20,-19 0,19 0,-20 0,21 0,-21 19,1-19,-21 0,40 0,-19 0,-1 20,-19-20,20 0,-21 0,1 0,19 0,-19 0,39 0,-39 0,19 0,1 0,-1 0,21 0,-21 0,0 0,21 0,-1 0,-19 0,19 0,-20 0,1 0,-1 0,1 0,-21 0,21 0,-1 0,1 0,-1 0,-19 0,19 0,-19 0,19 0,-19 0,20 0,-41 0,41 0,-21 0,1-20,0 20,-21-19,21 19,0 0,-60 0,20-20,39 20,-39 0,-20 0,40 0,-20 0,20 0,-20 0,20 0,-40 0,0 0,0 0,0 0,-20 0,20 0,-19 0,19 0,-20 0,20 0,0 0,0 0,20 0,20 0,-40 0,60 0,-40 0,59 0,0 0,1-20,19 20,-19-20,-1 20,21 0,-21 0,20 0,1 0,-1 0,-20 0,21 0,19 0,-20 0,1 0,-1 0,0 0,0 0,1 0,-1 0,20 0,0 0,-19 0,-1 0,20 0,0 0,-39 0,39 0,0 0,-20 0,21 0,-1 0,-20 0,40 0,-40 0,1 20,19-20,0 0,-20 0,1 0,19 0,0 0,0 0,0 0,-19 0,19 0,20 0,-40 20,20-20,0 0,-19 0,19 0,0 20,0-20,0 0,0 0,20 0,-19 0,38 19,21-19</inkml:trace>
-  <inkml:trace contextRef="#ctx0" brushRef="#br0" timeOffset="3505.7997">11827 6429,'20'0,"0"0,-1 0,-19 0,20 0,0 0,0 0,20 0,-40 0,39 0,-39 0,20 0,-20 0,20 0,0 0,-20 0,0 20,0-20,0 20,0-20,-20 39,0-19,-20 20,21-20,-41 39,40-39,0 20,1 0,-21-21,40 21,-40-20,40 0,0 0,0-20,20 0,0 0,0 0,0-20,-1 20,-19 0,20 0,0 0,0-20,0 20,0 0,-20 0,19-20,1 20,0 0,0 0,-20 0,40 0</inkml:trace>
-  <inkml:trace contextRef="#ctx0" brushRef="#br0" timeOffset="4864.6748">12184 6469,'0'0,"40"20,-20-20,-1 0,1 0,-20 0,20 19,0-19,20 0,-40 0,19 0,-19 0,20 20,0-20,-20 0</inkml:trace>
-  <inkml:trace contextRef="#ctx0" brushRef="#br0" timeOffset="5664.7206">12482 6290,'0'20,"-20"20,20-20,0 39,-20-19,0-1,20-19,0 20,0-40,0 20,0 0,0-20,0 0,0 0,0 0,0 0,0 39,20-19,-20 0,0 20,0-1,0 1,0-40,20 40,-20-40,0 20,0 0,0-20,0 19,0-19,0 20,0-20,20 0,-20 0</inkml:trace>
-  <inkml:trace contextRef="#ctx0" brushRef="#br0" timeOffset="6288.7563">12601 6469,'0'39,"0"21,0 0,0-21,0 1,0 0,0-1,0-19,0 0,20 0,-20-20,0 0</inkml:trace>
-  <inkml:trace contextRef="#ctx0" brushRef="#br0" timeOffset="6944.7938">12660 6389,'20'60,"0"-1,0 1,0-20,19 19,-19 1,-20-21,40 1,-20 0,0-40,-1 0,1 0,-20 0,20 0,0 0,-20 0,0-20,-20-20,20 1,0-1,-20-20,20 1,-20-21,1 41,-1-21,20 21,0-21,0 40,0 20,0-20,0 1</inkml:trace>
-  <inkml:trace contextRef="#ctx0" brushRef="#br0" timeOffset="7880.8473">13156 6508,'0'0,"0"40,0 20,0-40,0-1,0 21,0-20,20 0,0 0,0-1,0-19,-20 0,20 0,19 0,-39 0,20 0,0 0,0 0,-20 0,20 0,-20-19,20-21,-1 20,1-20,-20 1,0 19,0-20,0 20,0 0,0 1,0 19,0-20,0 0,-20 20,1 0,19 0,-20 0,20 0,-20 0,0-20,20 20,-20 0,20 0,-20 0,20 0,-20 0,1 0,19 0,-20 20,0 0,20-20,0 0,0 20</inkml:trace>
-  <inkml:trace contextRef="#ctx0" brushRef="#br0" timeOffset="8328.8728">13355 6608,'0'0,"20"20,-20-1,20 1,-1 0,1 20,20-20,-20 19,0-19,-1 0,1-20,-20 0,20 20,-20-20,0 0,20 0,-20 20,20-20,-20 20,0-20,20 0</inkml:trace>
-  <inkml:trace contextRef="#ctx0" brushRef="#br0" timeOffset="8912.9064">13871 6290,'0'0,"0"20,0-20,0 20,0 0,0 0,0 19,0-19,0 0,0 20,0-40</inkml:trace>
-  <inkml:trace contextRef="#ctx0" brushRef="#br0" timeOffset="9472.9384">13990 6251,'20'-20,"0"20,-1 0,-19 0,20 0,-20 0,20 0,0 20,-20-1,0 1,0 40,20-21,-20 21,0-1,0 21,0-21,0 21,0-1,0-19,0 19,0-19,0-41,0 1,0 20,0-40,0 0,39-60</inkml:trace>
-  <inkml:trace contextRef="#ctx0" brushRef="#br0" timeOffset="10136.9764">14327 6647,'0'40,"-20"0,20-20,0 19,0-19,20-20,20 20,-40-20,40 0,-21 0,-19 0,20 0,0 0,20-20,-1 0,1-19,0 19,-20-40,19 40,-39 1,0-21,0 20,0 0,0 0,0 0,-19 20,-1-19,0 19,0 0,20 0,-20 0,20 0,-20 0,0 0,-19 0,39 0,-20 0,20 19,-20 1,0-20,20 0,0 20,0-20,-20 20,20-20</inkml:trace>
-  <inkml:trace contextRef="#ctx0" brushRef="#br0" timeOffset="11232.039">15042 6370,'39'0,"1"0,-20 0,19 0,1 0,-20 0,0 0,0 0,-20 0,20 0,-1 0,-19 0,0 0,0 19,0-19,0 20,0 0,0 0,-19 0,-1 0,-20 39,20-39,0 40,0-41,1 1,-1 20,0-40,20 20,0 0,0-20,0 0,0 19,-20-19,20 0,0 0,20 0,0 0,19-19,1 19,-20 0,20 0,19-20,-19 0,0 20,-21 0,1 0,-20 0,20 0</inkml:trace>
-  <inkml:trace contextRef="#ctx0" brushRef="#br0" timeOffset="12312.1008">15617 6370,'-20'39,"0"-19,20 0,0 20,0-1,0-19,0 20,0-20,20 0,-20-1,40 1,-20-20,0 0,-1 0,-19 0,20 0,0 0,0 0,-20 0,20 20,0-20,-1 0,-19 0,20 0,-20 20,20-20,-20-40,0 40,20-39,-20 39,0-20,0-20,0 40,0-20,0 0,0 0,-20 1,0-1,20 20,-20 0,20-20,-19 20,-1 0,20-20,-20 0,0 20,0 0,20 0,-20-20,20 20,-19 0,19 0,-40 0,20 0</inkml:trace>
-</inkml:ink>
-</file>
-
 <file path=ppt/notesMasters/notesMaster1.xml><?xml version="1.0" encoding="utf-8"?>
 <p:notesMaster xmlns:a="http://schemas.openxmlformats.org/drawingml/2006/main" xmlns:r="http://schemas.openxmlformats.org/officeDocument/2006/relationships" xmlns:p="http://schemas.openxmlformats.org/presentationml/2006/main">
   <p:cSld>
@@ -240,7 +202,7 @@
           <a:p>
             <a:fld id="{FD51A39B-C35E-4057-9F29-910CBCC839C9}" type="datetimeFigureOut">
               <a:rPr lang="zh-TW" altLang="en-US" smtClean="0"/>
-              <a:t>2018/6/27</a:t>
+              <a:t>2018/7/2</a:t>
             </a:fld>
             <a:endParaRPr lang="zh-TW" altLang="en-US"/>
           </a:p>
@@ -900,7 +862,7 @@
           <a:p>
             <a:fld id="{533EB0DC-3673-4D85-A136-E7206D8E2189}" type="datetimeFigureOut">
               <a:rPr lang="zh-TW" altLang="en-US" smtClean="0"/>
-              <a:t>2018/6/27</a:t>
+              <a:t>2018/7/2</a:t>
             </a:fld>
             <a:endParaRPr lang="zh-TW" altLang="en-US"/>
           </a:p>
@@ -1231,7 +1193,7 @@
           <a:p>
             <a:fld id="{533EB0DC-3673-4D85-A136-E7206D8E2189}" type="datetimeFigureOut">
               <a:rPr lang="zh-TW" altLang="en-US" smtClean="0"/>
-              <a:t>2018/6/27</a:t>
+              <a:t>2018/7/2</a:t>
             </a:fld>
             <a:endParaRPr lang="zh-TW" altLang="en-US"/>
           </a:p>
@@ -1479,7 +1441,7 @@
           <a:p>
             <a:fld id="{533EB0DC-3673-4D85-A136-E7206D8E2189}" type="datetimeFigureOut">
               <a:rPr lang="zh-TW" altLang="en-US" smtClean="0"/>
-              <a:t>2018/6/27</a:t>
+              <a:t>2018/7/2</a:t>
             </a:fld>
             <a:endParaRPr lang="zh-TW" altLang="en-US"/>
           </a:p>
@@ -1825,7 +1787,7 @@
           <a:p>
             <a:fld id="{533EB0DC-3673-4D85-A136-E7206D8E2189}" type="datetimeFigureOut">
               <a:rPr lang="zh-TW" altLang="en-US" smtClean="0"/>
-              <a:t>2018/6/27</a:t>
+              <a:t>2018/7/2</a:t>
             </a:fld>
             <a:endParaRPr lang="zh-TW" altLang="en-US"/>
           </a:p>
@@ -2179,7 +2141,7 @@
           <a:p>
             <a:fld id="{533EB0DC-3673-4D85-A136-E7206D8E2189}" type="datetimeFigureOut">
               <a:rPr lang="zh-TW" altLang="en-US" smtClean="0"/>
-              <a:t>2018/6/27</a:t>
+              <a:t>2018/7/2</a:t>
             </a:fld>
             <a:endParaRPr lang="zh-TW" altLang="en-US"/>
           </a:p>
@@ -2553,7 +2515,7 @@
           <a:p>
             <a:fld id="{533EB0DC-3673-4D85-A136-E7206D8E2189}" type="datetimeFigureOut">
               <a:rPr lang="zh-TW" altLang="en-US" smtClean="0"/>
-              <a:t>2018/6/27</a:t>
+              <a:t>2018/7/2</a:t>
             </a:fld>
             <a:endParaRPr lang="zh-TW" altLang="en-US"/>
           </a:p>
@@ -3030,7 +2992,7 @@
           <a:p>
             <a:fld id="{533EB0DC-3673-4D85-A136-E7206D8E2189}" type="datetimeFigureOut">
               <a:rPr lang="zh-TW" altLang="en-US" smtClean="0"/>
-              <a:t>2018/6/27</a:t>
+              <a:t>2018/7/2</a:t>
             </a:fld>
             <a:endParaRPr lang="zh-TW" altLang="en-US"/>
           </a:p>
@@ -3247,7 +3209,7 @@
           <a:p>
             <a:fld id="{533EB0DC-3673-4D85-A136-E7206D8E2189}" type="datetimeFigureOut">
               <a:rPr lang="zh-TW" altLang="en-US" smtClean="0"/>
-              <a:t>2018/6/27</a:t>
+              <a:t>2018/7/2</a:t>
             </a:fld>
             <a:endParaRPr lang="zh-TW" altLang="en-US"/>
           </a:p>
@@ -3465,7 +3427,7 @@
           <a:p>
             <a:fld id="{533EB0DC-3673-4D85-A136-E7206D8E2189}" type="datetimeFigureOut">
               <a:rPr lang="zh-TW" altLang="en-US" smtClean="0"/>
-              <a:t>2018/6/27</a:t>
+              <a:t>2018/7/2</a:t>
             </a:fld>
             <a:endParaRPr lang="zh-TW" altLang="en-US"/>
           </a:p>
@@ -3711,7 +3673,7 @@
           <a:p>
             <a:fld id="{533EB0DC-3673-4D85-A136-E7206D8E2189}" type="datetimeFigureOut">
               <a:rPr lang="zh-TW" altLang="en-US" smtClean="0"/>
-              <a:t>2018/6/27</a:t>
+              <a:t>2018/7/2</a:t>
             </a:fld>
             <a:endParaRPr lang="zh-TW" altLang="en-US"/>
           </a:p>
@@ -3959,7 +3921,7 @@
           <a:p>
             <a:fld id="{533EB0DC-3673-4D85-A136-E7206D8E2189}" type="datetimeFigureOut">
               <a:rPr lang="zh-TW" altLang="en-US" smtClean="0"/>
-              <a:t>2018/6/27</a:t>
+              <a:t>2018/7/2</a:t>
             </a:fld>
             <a:endParaRPr lang="zh-TW" altLang="en-US"/>
           </a:p>
@@ -4271,7 +4233,7 @@
           <a:p>
             <a:fld id="{533EB0DC-3673-4D85-A136-E7206D8E2189}" type="datetimeFigureOut">
               <a:rPr lang="zh-TW" altLang="en-US" smtClean="0"/>
-              <a:t>2018/6/27</a:t>
+              <a:t>2018/7/2</a:t>
             </a:fld>
             <a:endParaRPr lang="zh-TW" altLang="en-US"/>
           </a:p>
@@ -4653,7 +4615,7 @@
           <a:p>
             <a:fld id="{533EB0DC-3673-4D85-A136-E7206D8E2189}" type="datetimeFigureOut">
               <a:rPr lang="zh-TW" altLang="en-US" smtClean="0"/>
-              <a:t>2018/6/27</a:t>
+              <a:t>2018/7/2</a:t>
             </a:fld>
             <a:endParaRPr lang="zh-TW" altLang="en-US"/>
           </a:p>
@@ -4814,7 +4776,7 @@
           <a:p>
             <a:fld id="{533EB0DC-3673-4D85-A136-E7206D8E2189}" type="datetimeFigureOut">
               <a:rPr lang="zh-TW" altLang="en-US" smtClean="0"/>
-              <a:t>2018/6/27</a:t>
+              <a:t>2018/7/2</a:t>
             </a:fld>
             <a:endParaRPr lang="zh-TW" altLang="en-US"/>
           </a:p>
@@ -4947,7 +4909,7 @@
           <a:p>
             <a:fld id="{533EB0DC-3673-4D85-A136-E7206D8E2189}" type="datetimeFigureOut">
               <a:rPr lang="zh-TW" altLang="en-US" smtClean="0"/>
-              <a:t>2018/6/27</a:t>
+              <a:t>2018/7/2</a:t>
             </a:fld>
             <a:endParaRPr lang="zh-TW" altLang="en-US"/>
           </a:p>
@@ -5202,7 +5164,7 @@
           <a:p>
             <a:fld id="{533EB0DC-3673-4D85-A136-E7206D8E2189}" type="datetimeFigureOut">
               <a:rPr lang="zh-TW" altLang="en-US" smtClean="0"/>
-              <a:t>2018/6/27</a:t>
+              <a:t>2018/7/2</a:t>
             </a:fld>
             <a:endParaRPr lang="zh-TW" altLang="en-US"/>
           </a:p>
@@ -5523,7 +5485,7 @@
           <a:p>
             <a:fld id="{533EB0DC-3673-4D85-A136-E7206D8E2189}" type="datetimeFigureOut">
               <a:rPr lang="zh-TW" altLang="en-US" smtClean="0"/>
-              <a:t>2018/6/27</a:t>
+              <a:t>2018/7/2</a:t>
             </a:fld>
             <a:endParaRPr lang="zh-TW" altLang="en-US"/>
           </a:p>
@@ -5767,7 +5729,7 @@
           <a:p>
             <a:fld id="{533EB0DC-3673-4D85-A136-E7206D8E2189}" type="datetimeFigureOut">
               <a:rPr lang="zh-TW" altLang="en-US" smtClean="0"/>
-              <a:t>2018/6/27</a:t>
+              <a:t>2018/7/2</a:t>
             </a:fld>
             <a:endParaRPr lang="zh-TW" altLang="en-US"/>
           </a:p>
@@ -6687,7 +6649,7 @@
       </p:sp>
       <p:pic>
         <p:nvPicPr>
-          <p:cNvPr id="6" name="內容版面配置區 5"/>
+          <p:cNvPr id="8" name="內容版面配置區 7"/>
           <p:cNvPicPr>
             <a:picLocks noGrp="1" noChangeAspect="1"/>
           </p:cNvPicPr>
@@ -6709,50 +6671,11 @@
         </p:blipFill>
         <p:spPr>
           <a:xfrm>
-            <a:off x="930218" y="1668751"/>
-            <a:ext cx="6856037" cy="4603763"/>
+            <a:off x="875493" y="1859370"/>
+            <a:ext cx="6781527" cy="4173130"/>
           </a:xfrm>
         </p:spPr>
       </p:pic>
-      <mc:AlternateContent xmlns:mc="http://schemas.openxmlformats.org/markup-compatibility/2006" xmlns:p14="http://schemas.microsoft.com/office/powerpoint/2010/main">
-        <mc:Choice Requires="p14">
-          <p:contentPart p14:bwMode="auto" r:id="rId4">
-            <p14:nvContentPartPr>
-              <p14:cNvPr id="3" name="筆跡 2"/>
-              <p14:cNvContentPartPr/>
-              <p14:nvPr/>
-            </p14:nvContentPartPr>
-            <p14:xfrm>
-              <a:off x="1986120" y="2243160"/>
-              <a:ext cx="3836520" cy="3043440"/>
-            </p14:xfrm>
-          </p:contentPart>
-        </mc:Choice>
-        <mc:Fallback xmlns="">
-          <p:pic>
-            <p:nvPicPr>
-              <p:cNvPr id="3" name="筆跡 2"/>
-              <p:cNvPicPr/>
-              <p:nvPr/>
-            </p:nvPicPr>
-            <p:blipFill>
-              <a:blip r:embed="rId5"/>
-              <a:stretch>
-                <a:fillRect/>
-              </a:stretch>
-            </p:blipFill>
-            <p:spPr>
-              <a:xfrm>
-                <a:off x="1976760" y="2233800"/>
-                <a:ext cx="3855240" cy="3062160"/>
-              </a:xfrm>
-              <a:prstGeom prst="rect">
-                <a:avLst/>
-              </a:prstGeom>
-            </p:spPr>
-          </p:pic>
-        </mc:Fallback>
-      </mc:AlternateContent>
     </p:spTree>
     <p:extLst>
       <p:ext uri="{BB962C8B-B14F-4D97-AF65-F5344CB8AC3E}">
@@ -6822,14 +6745,14 @@
       </p:sp>
       <p:pic>
         <p:nvPicPr>
-          <p:cNvPr id="4" name="圖片 3"/>
+          <p:cNvPr id="3" name="圖片 2"/>
           <p:cNvPicPr>
             <a:picLocks noChangeAspect="1"/>
           </p:cNvPicPr>
           <p:nvPr/>
         </p:nvPicPr>
         <p:blipFill>
-          <a:blip r:embed="rId3" cstate="print">
+          <a:blip r:embed="rId3">
             <a:extLst>
               <a:ext uri="{28A0092B-C50C-407E-A947-70E740481C1C}">
                 <a14:useLocalDpi xmlns:a14="http://schemas.microsoft.com/office/drawing/2010/main" val="0"/>
@@ -6842,8 +6765,8 @@
         </p:blipFill>
         <p:spPr>
           <a:xfrm>
-            <a:off x="427896" y="2917695"/>
-            <a:ext cx="8296673" cy="2790450"/>
+            <a:off x="422753" y="2498529"/>
+            <a:ext cx="8306959" cy="2800741"/>
           </a:xfrm>
           <a:prstGeom prst="rect">
             <a:avLst/>
@@ -6947,13 +6870,13 @@
         </p:nvSpPr>
         <p:spPr>
           <a:xfrm>
-            <a:off x="1176865" y="1905000"/>
-            <a:ext cx="6798736" cy="4686299"/>
+            <a:off x="1176864" y="1905000"/>
+            <a:ext cx="7573435" cy="4686299"/>
           </a:xfrm>
         </p:spPr>
         <p:txBody>
           <a:bodyPr>
-            <a:normAutofit fontScale="62500" lnSpcReduction="20000"/>
+            <a:normAutofit fontScale="70000" lnSpcReduction="20000"/>
           </a:bodyPr>
           <a:lstStyle/>
           <a:p>
@@ -7015,23 +6938,27 @@
             </a:pPr>
             <a:r>
               <a:rPr lang="en-US" altLang="zh-TW" dirty="0" smtClean="0"/>
-              <a:t>VGA out, RGB </a:t>
+              <a:t>VGA out, </a:t>
+            </a:r>
+            <a:r>
+              <a:rPr lang="en-US" altLang="zh-TW" dirty="0" smtClean="0"/>
+              <a:t>RGB </a:t>
             </a:r>
             <a:r>
               <a:rPr lang="en-US" altLang="zh-TW" dirty="0"/>
-              <a:t>720x480pixel, </a:t>
+              <a:t>720x480pixel</a:t>
+            </a:r>
+            <a:r>
+              <a:rPr lang="en-US" altLang="zh-TW" dirty="0" smtClean="0"/>
+              <a:t>,</a:t>
             </a:r>
             <a:r>
               <a:rPr lang="zh-TW" altLang="en-US" dirty="0"/>
-              <a:t>漸進式</a:t>
-            </a:r>
-            <a:r>
-              <a:rPr lang="en-US" altLang="zh-TW" dirty="0"/>
-              <a:t>(progressive)</a:t>
+              <a:t>交錯式影</a:t>
             </a:r>
             <a:r>
               <a:rPr lang="zh-TW" altLang="en-US" dirty="0" smtClean="0"/>
-              <a:t>影像</a:t>
+              <a:t>像</a:t>
             </a:r>
             <a:endParaRPr lang="en-US" altLang="zh-TW" dirty="0" smtClean="0"/>
           </a:p>
@@ -7046,19 +6973,39 @@
             </a:r>
             <a:r>
               <a:rPr lang="en-US" altLang="zh-TW" dirty="0"/>
-              <a:t>Original video 24bit RGB 720x480pixel, </a:t>
+              <a:t>Original video </a:t>
+            </a:r>
+            <a:r>
+              <a:rPr lang="en-US" altLang="zh-TW" dirty="0"/>
+              <a:t>8</a:t>
+            </a:r>
+            <a:r>
+              <a:rPr lang="en-US" altLang="zh-TW" dirty="0" smtClean="0"/>
+              <a:t>bit </a:t>
+            </a:r>
+            <a:r>
+              <a:rPr lang="en-US" altLang="zh-TW" dirty="0"/>
+              <a:t>gray level image</a:t>
+            </a:r>
+            <a:r>
+              <a:rPr lang="en-US" altLang="zh-TW" dirty="0" smtClean="0"/>
+              <a:t> </a:t>
+            </a:r>
+            <a:r>
+              <a:rPr lang="en-US" altLang="zh-TW" dirty="0"/>
+              <a:t>720x480pixel</a:t>
+            </a:r>
+            <a:r>
+              <a:rPr lang="en-US" altLang="zh-TW" dirty="0" smtClean="0"/>
+              <a:t>,</a:t>
             </a:r>
             <a:r>
               <a:rPr lang="zh-TW" altLang="en-US" dirty="0"/>
-              <a:t>漸進式</a:t>
-            </a:r>
-            <a:r>
-              <a:rPr lang="en-US" altLang="zh-TW" dirty="0"/>
-              <a:t>(progressive)</a:t>
+              <a:t>交錯式影</a:t>
             </a:r>
             <a:r>
               <a:rPr lang="zh-TW" altLang="en-US" dirty="0" smtClean="0"/>
-              <a:t>影像</a:t>
+              <a:t>像</a:t>
             </a:r>
             <a:endParaRPr lang="en-US" altLang="zh-TW" dirty="0" smtClean="0"/>
           </a:p>
@@ -7076,15 +7023,15 @@
               <a:t>, </a:t>
             </a:r>
             <a:r>
-              <a:rPr lang="en-US" altLang="zh-TW" dirty="0" err="1"/>
-              <a:t>Sobel</a:t>
-            </a:r>
-            <a:r>
               <a:rPr lang="en-US" altLang="zh-TW" dirty="0"/>
-              <a:t> video 8bit</a:t>
-            </a:r>
-            <a:r>
-              <a:rPr lang="zh-TW" altLang="en-US" dirty="0"/>
+              <a:t>Sobel video </a:t>
+            </a:r>
+            <a:r>
+              <a:rPr lang="en-US" altLang="zh-TW" dirty="0" smtClean="0"/>
+              <a:t>8bit</a:t>
+            </a:r>
+            <a:r>
+              <a:rPr lang="zh-TW" altLang="en-US" dirty="0" smtClean="0"/>
               <a:t> </a:t>
             </a:r>
             <a:r>
@@ -7150,17 +7097,11 @@
             </a:pPr>
             <a:r>
               <a:rPr lang="en-US" altLang="zh-TW" dirty="0" smtClean="0"/>
-              <a:t>YCrCb to RGB operator</a:t>
-            </a:r>
-          </a:p>
-          <a:p>
-            <a:pPr marL="342900" indent="-342900">
-              <a:buFont typeface="Arial"/>
-              <a:buAutoNum type="arabicPeriod"/>
-            </a:pPr>
+              <a:t>Sobel </a:t>
+            </a:r>
             <a:r>
               <a:rPr lang="en-US" altLang="zh-TW" dirty="0" smtClean="0"/>
-              <a:t>Sobel operator</a:t>
+              <a:t>operator</a:t>
             </a:r>
           </a:p>
         </p:txBody>
@@ -7262,27 +7203,27 @@
             </a:pPr>
             <a:r>
               <a:rPr lang="en-US" altLang="zh-TW" sz="1800" dirty="0" smtClean="0"/>
-              <a:t>Original video 24bit RGB 720x480</a:t>
+              <a:t>Original video </a:t>
+            </a:r>
+            <a:r>
+              <a:rPr lang="en-US" altLang="zh-TW" sz="1800" dirty="0" smtClean="0"/>
+              <a:t>8</a:t>
             </a:r>
             <a:r>
               <a:rPr lang="en-US" altLang="zh-TW" sz="1800" dirty="0"/>
-              <a:t>pixel</a:t>
+              <a:t>bit gray level image 720x480pixel</a:t>
             </a:r>
             <a:r>
               <a:rPr lang="en-US" altLang="zh-TW" sz="1800" dirty="0" smtClean="0"/>
-              <a:t>, </a:t>
+              <a:t>,</a:t>
             </a:r>
             <a:r>
               <a:rPr lang="zh-TW" altLang="en-US" sz="1800" dirty="0" smtClean="0"/>
-              <a:t>漸進式</a:t>
-            </a:r>
-            <a:r>
-              <a:rPr lang="en-US" altLang="zh-TW" sz="1800" dirty="0" smtClean="0"/>
-              <a:t>(progressive)</a:t>
+              <a:t>交錯式影</a:t>
             </a:r>
             <a:r>
               <a:rPr lang="zh-TW" altLang="en-US" sz="1800" dirty="0" smtClean="0"/>
-              <a:t>影像</a:t>
+              <a:t>像</a:t>
             </a:r>
             <a:endParaRPr lang="en-US" altLang="zh-TW" sz="1800" dirty="0" smtClean="0"/>
           </a:p>
@@ -7292,8 +7233,12 @@
               <a:buAutoNum type="arabicPeriod"/>
             </a:pPr>
             <a:r>
+              <a:rPr lang="en-US" altLang="zh-TW" sz="1800" dirty="0" smtClean="0"/>
+              <a:t>Sobel </a:t>
+            </a:r>
+            <a:r>
               <a:rPr lang="en-US" altLang="zh-TW" sz="1800" dirty="0"/>
-              <a:t>Sobel video 8bit</a:t>
+              <a:t>video 8bit</a:t>
             </a:r>
             <a:r>
               <a:rPr lang="zh-TW" altLang="en-US" sz="1800" dirty="0"/>
@@ -7324,7 +7269,11 @@
             </a:pPr>
             <a:r>
               <a:rPr lang="en-US" altLang="zh-TW" sz="1800" dirty="0"/>
-              <a:t>Original video 24bit RGB 720x480pixel</a:t>
+              <a:t>Original video </a:t>
+            </a:r>
+            <a:r>
+              <a:rPr lang="en-US" altLang="zh-TW" sz="1800" dirty="0"/>
+              <a:t>8bit gray level image 720x480pixel</a:t>
             </a:r>
             <a:r>
               <a:rPr lang="en-US" altLang="zh-TW" sz="1800" dirty="0" smtClean="0"/>
@@ -7332,15 +7281,11 @@
             </a:r>
             <a:r>
               <a:rPr lang="zh-TW" altLang="en-US" sz="1800" dirty="0"/>
-              <a:t>漸進式</a:t>
-            </a:r>
-            <a:r>
-              <a:rPr lang="en-US" altLang="zh-TW" sz="1800" dirty="0"/>
-              <a:t>(progressive)</a:t>
+              <a:t>交錯式影</a:t>
             </a:r>
             <a:r>
               <a:rPr lang="zh-TW" altLang="en-US" sz="1800" dirty="0"/>
-              <a:t>影像</a:t>
+              <a:t>像</a:t>
             </a:r>
             <a:endParaRPr lang="en-US" altLang="zh-TW" sz="1800" dirty="0"/>
           </a:p>
@@ -7488,7 +7433,7 @@
         </p:spPr>
         <p:txBody>
           <a:bodyPr>
-            <a:normAutofit fontScale="92500" lnSpcReduction="20000"/>
+            <a:normAutofit fontScale="92500" lnSpcReduction="10000"/>
           </a:bodyPr>
           <a:lstStyle/>
           <a:p>
@@ -7503,7 +7448,15 @@
             </a:pPr>
             <a:r>
               <a:rPr lang="en-US" altLang="zh-TW" sz="1800" dirty="0" smtClean="0"/>
-              <a:t>Original video 24bit RGB 720x480</a:t>
+              <a:t>Original video </a:t>
+            </a:r>
+            <a:r>
+              <a:rPr lang="en-US" altLang="zh-TW" sz="1800" dirty="0"/>
+              <a:t>8bit gray level image </a:t>
+            </a:r>
+            <a:r>
+              <a:rPr lang="en-US" altLang="zh-TW" sz="1800" dirty="0" smtClean="0"/>
+              <a:t>720x480</a:t>
             </a:r>
             <a:r>
               <a:rPr lang="en-US" altLang="zh-TW" sz="1800" dirty="0"/>
@@ -7511,23 +7464,15 @@
             </a:r>
             <a:r>
               <a:rPr lang="en-US" altLang="zh-TW" sz="1800" dirty="0" smtClean="0"/>
-              <a:t>, </a:t>
-            </a:r>
-            <a:r>
-              <a:rPr lang="zh-TW" altLang="en-US" sz="1800" dirty="0" smtClean="0"/>
-              <a:t>漸進</a:t>
+              <a:t>,</a:t>
             </a:r>
             <a:r>
               <a:rPr lang="zh-TW" altLang="en-US" sz="1800" dirty="0"/>
-              <a:t>式</a:t>
-            </a:r>
-            <a:r>
-              <a:rPr lang="en-US" altLang="zh-TW" sz="1800" dirty="0"/>
-              <a:t>(progressive)</a:t>
+              <a:t>交錯式影</a:t>
             </a:r>
             <a:r>
               <a:rPr lang="zh-TW" altLang="en-US" sz="1800" dirty="0"/>
-              <a:t>影像</a:t>
+              <a:t>像</a:t>
             </a:r>
             <a:endParaRPr lang="en-US" altLang="zh-TW" sz="1800" dirty="0" smtClean="0"/>
           </a:p>
@@ -7599,17 +7544,11 @@
           <a:p>
             <a:r>
               <a:rPr lang="en-US" altLang="zh-TW" dirty="0" smtClean="0"/>
-              <a:t>Method :</a:t>
-            </a:r>
-          </a:p>
-          <a:p>
-            <a:pPr marL="342900" indent="-342900">
-              <a:buFont typeface="Arial"/>
-              <a:buAutoNum type="arabicPeriod"/>
-            </a:pPr>
-            <a:r>
-              <a:rPr lang="en-US" altLang="zh-TW" sz="1800" dirty="0" err="1" smtClean="0"/>
-              <a:t>ffmpeg</a:t>
+              <a:t>Method </a:t>
+            </a:r>
+            <a:r>
+              <a:rPr lang="en-US" altLang="zh-TW" dirty="0" smtClean="0"/>
+              <a:t>:</a:t>
             </a:r>
             <a:endParaRPr lang="en-US" altLang="zh-TW" sz="1800" dirty="0" smtClean="0"/>
           </a:p>
